--- a/clases/Cap03_Seleccion_de_Caracteristicas/presentations/PAT03_Models.pptx
+++ b/clases/Cap03_Seleccion_de_Caracteristicas/presentations/PAT03_Models.pptx
@@ -109,6 +109,11 @@
       </a:defRPr>
     </a:lvl9pPr>
   </p:defaultTextStyle>
+  <p:extLst>
+    <p:ext uri="{EFAFB233-063F-42B5-8137-9DF3F51BA10A}">
+      <p15:sldGuideLst xmlns:p15="http://schemas.microsoft.com/office/powerpoint/2012/main"/>
+    </p:ext>
+  </p:extLst>
 </p:presentation>
 </file>
 
@@ -194,7 +199,7 @@
           <a:p>
             <a:fld id="{089240F5-9395-DD45-9504-38DAB413250C}" type="datetimeFigureOut">
               <a:rPr lang="en-US" smtClean="0"/>
-              <a:t>5/4/21</a:t>
+              <a:t>4/27/22</a:t>
             </a:fld>
             <a:endParaRPr lang="en-US"/>
           </a:p>
@@ -699,7 +704,7 @@
           <a:p>
             <a:fld id="{AB5D18D8-3673-4042-843B-66492F79CC66}" type="datetimeFigureOut">
               <a:rPr lang="en-US" smtClean="0"/>
-              <a:t>5/3/21</a:t>
+              <a:t>4/27/22</a:t>
             </a:fld>
             <a:endParaRPr lang="en-US"/>
           </a:p>
@@ -899,7 +904,7 @@
           <a:p>
             <a:fld id="{AB5D18D8-3673-4042-843B-66492F79CC66}" type="datetimeFigureOut">
               <a:rPr lang="en-US" smtClean="0"/>
-              <a:t>5/3/21</a:t>
+              <a:t>4/27/22</a:t>
             </a:fld>
             <a:endParaRPr lang="en-US"/>
           </a:p>
@@ -1109,7 +1114,7 @@
           <a:p>
             <a:fld id="{AB5D18D8-3673-4042-843B-66492F79CC66}" type="datetimeFigureOut">
               <a:rPr lang="en-US" smtClean="0"/>
-              <a:t>5/3/21</a:t>
+              <a:t>4/27/22</a:t>
             </a:fld>
             <a:endParaRPr lang="en-US"/>
           </a:p>
@@ -1309,7 +1314,7 @@
           <a:p>
             <a:fld id="{AB5D18D8-3673-4042-843B-66492F79CC66}" type="datetimeFigureOut">
               <a:rPr lang="en-US" smtClean="0"/>
-              <a:t>5/3/21</a:t>
+              <a:t>4/27/22</a:t>
             </a:fld>
             <a:endParaRPr lang="en-US"/>
           </a:p>
@@ -1585,7 +1590,7 @@
           <a:p>
             <a:fld id="{AB5D18D8-3673-4042-843B-66492F79CC66}" type="datetimeFigureOut">
               <a:rPr lang="en-US" smtClean="0"/>
-              <a:t>5/3/21</a:t>
+              <a:t>4/27/22</a:t>
             </a:fld>
             <a:endParaRPr lang="en-US"/>
           </a:p>
@@ -1853,7 +1858,7 @@
           <a:p>
             <a:fld id="{AB5D18D8-3673-4042-843B-66492F79CC66}" type="datetimeFigureOut">
               <a:rPr lang="en-US" smtClean="0"/>
-              <a:t>5/3/21</a:t>
+              <a:t>4/27/22</a:t>
             </a:fld>
             <a:endParaRPr lang="en-US"/>
           </a:p>
@@ -2268,7 +2273,7 @@
           <a:p>
             <a:fld id="{AB5D18D8-3673-4042-843B-66492F79CC66}" type="datetimeFigureOut">
               <a:rPr lang="en-US" smtClean="0"/>
-              <a:t>5/3/21</a:t>
+              <a:t>4/27/22</a:t>
             </a:fld>
             <a:endParaRPr lang="en-US"/>
           </a:p>
@@ -2410,7 +2415,7 @@
           <a:p>
             <a:fld id="{AB5D18D8-3673-4042-843B-66492F79CC66}" type="datetimeFigureOut">
               <a:rPr lang="en-US" smtClean="0"/>
-              <a:t>5/3/21</a:t>
+              <a:t>4/27/22</a:t>
             </a:fld>
             <a:endParaRPr lang="en-US"/>
           </a:p>
@@ -2523,7 +2528,7 @@
           <a:p>
             <a:fld id="{AB5D18D8-3673-4042-843B-66492F79CC66}" type="datetimeFigureOut">
               <a:rPr lang="en-US" smtClean="0"/>
-              <a:t>5/3/21</a:t>
+              <a:t>4/27/22</a:t>
             </a:fld>
             <a:endParaRPr lang="en-US"/>
           </a:p>
@@ -2836,7 +2841,7 @@
           <a:p>
             <a:fld id="{AB5D18D8-3673-4042-843B-66492F79CC66}" type="datetimeFigureOut">
               <a:rPr lang="en-US" smtClean="0"/>
-              <a:t>5/3/21</a:t>
+              <a:t>4/27/22</a:t>
             </a:fld>
             <a:endParaRPr lang="en-US"/>
           </a:p>
@@ -3125,7 +3130,7 @@
           <a:p>
             <a:fld id="{AB5D18D8-3673-4042-843B-66492F79CC66}" type="datetimeFigureOut">
               <a:rPr lang="en-US" smtClean="0"/>
-              <a:t>5/3/21</a:t>
+              <a:t>4/27/22</a:t>
             </a:fld>
             <a:endParaRPr lang="en-US"/>
           </a:p>
@@ -3368,7 +3373,7 @@
           <a:p>
             <a:fld id="{AB5D18D8-3673-4042-843B-66492F79CC66}" type="datetimeFigureOut">
               <a:rPr lang="en-US" smtClean="0"/>
-              <a:t>5/3/21</a:t>
+              <a:t>4/27/22</a:t>
             </a:fld>
             <a:endParaRPr lang="en-US"/>
           </a:p>
@@ -4144,6 +4149,17 @@
           <a:p>
             <a:pPr algn="ctr"/>
             <a:r>
+              <a:rPr lang="es-CL" sz="1200">
+                <a:solidFill>
+                  <a:schemeClr val="bg1">
+                    <a:lumMod val="75000"/>
+                  </a:schemeClr>
+                </a:solidFill>
+                <a:latin typeface="Trebuchet MS" pitchFamily="34" charset="0"/>
+              </a:rPr>
+              <a:t>Departamento </a:t>
+            </a:r>
+            <a:r>
               <a:rPr lang="es-CL" sz="1200" dirty="0">
                 <a:solidFill>
                   <a:schemeClr val="bg1">
@@ -4152,7 +4168,7 @@
                 </a:solidFill>
                 <a:latin typeface="Trebuchet MS" pitchFamily="34" charset="0"/>
               </a:rPr>
-              <a:t>Departmento de Ciencia de la Computación</a:t>
+              <a:t>de Ciencia de la Computación</a:t>
             </a:r>
           </a:p>
           <a:p>
